--- a/docs/presentasi_pengenalan python_shidiq.pptx
+++ b/docs/presentasi_pengenalan python_shidiq.pptx
@@ -131,7 +131,7 @@
 <file path=ppt/revisionInfo.xml><?xml version="1.0" encoding="utf-8"?>
 <p1510:revInfo xmlns:a="http://schemas.openxmlformats.org/drawingml/2006/main" xmlns:r="http://schemas.openxmlformats.org/officeDocument/2006/relationships" xmlns:p1510="http://schemas.microsoft.com/office/powerpoint/2015/10/main">
   <p1510:revLst>
-    <p1510:client id="{41F5F707-E56A-C843-8688-BA2E4939E96C}" v="178" dt="2022-11-26T15:21:11.971"/>
+    <p1510:client id="{41F5F707-E56A-C843-8688-BA2E4939E96C}" v="180" dt="2022-11-27T03:16:23.718"/>
   </p1510:revLst>
 </p1510:revInfo>
 </file>
@@ -141,10 +141,25 @@
   <pc:docChgLst>
     <pc:chgData name="Shidiq Nur Hidayat" userId="109efc8d74414964" providerId="LiveId" clId="{41F5F707-E56A-C843-8688-BA2E4939E96C}"/>
     <pc:docChg chg="undo custSel addSld modSld">
-      <pc:chgData name="Shidiq Nur Hidayat" userId="109efc8d74414964" providerId="LiveId" clId="{41F5F707-E56A-C843-8688-BA2E4939E96C}" dt="2022-11-26T15:22:04.384" v="2082" actId="1076"/>
+      <pc:chgData name="Shidiq Nur Hidayat" userId="109efc8d74414964" providerId="LiveId" clId="{41F5F707-E56A-C843-8688-BA2E4939E96C}" dt="2022-11-27T03:16:37.346" v="2133" actId="1076"/>
       <pc:docMkLst>
         <pc:docMk/>
       </pc:docMkLst>
+      <pc:sldChg chg="modSp mod">
+        <pc:chgData name="Shidiq Nur Hidayat" userId="109efc8d74414964" providerId="LiveId" clId="{41F5F707-E56A-C843-8688-BA2E4939E96C}" dt="2022-11-27T01:08:43.455" v="2083" actId="14100"/>
+        <pc:sldMkLst>
+          <pc:docMk/>
+          <pc:sldMk cId="2726048992" sldId="256"/>
+        </pc:sldMkLst>
+        <pc:spChg chg="mod">
+          <ac:chgData name="Shidiq Nur Hidayat" userId="109efc8d74414964" providerId="LiveId" clId="{41F5F707-E56A-C843-8688-BA2E4939E96C}" dt="2022-11-27T01:08:43.455" v="2083" actId="14100"/>
+          <ac:spMkLst>
+            <pc:docMk/>
+            <pc:sldMk cId="2726048992" sldId="256"/>
+            <ac:spMk id="3" creationId="{00000000-0000-0000-0000-000000000000}"/>
+          </ac:spMkLst>
+        </pc:spChg>
+      </pc:sldChg>
       <pc:sldChg chg="modSp">
         <pc:chgData name="Shidiq Nur Hidayat" userId="109efc8d74414964" providerId="LiveId" clId="{41F5F707-E56A-C843-8688-BA2E4939E96C}" dt="2022-11-25T14:21:19.808" v="107" actId="20577"/>
         <pc:sldMkLst>
@@ -445,7 +460,7 @@
         </pc:picChg>
       </pc:sldChg>
       <pc:sldChg chg="addSp delSp modSp new mod">
-        <pc:chgData name="Shidiq Nur Hidayat" userId="109efc8d74414964" providerId="LiveId" clId="{41F5F707-E56A-C843-8688-BA2E4939E96C}" dt="2022-11-25T23:31:37.653" v="1458" actId="404"/>
+        <pc:chgData name="Shidiq Nur Hidayat" userId="109efc8d74414964" providerId="LiveId" clId="{41F5F707-E56A-C843-8688-BA2E4939E96C}" dt="2022-11-27T03:16:37.346" v="2133" actId="1076"/>
         <pc:sldMkLst>
           <pc:docMk/>
           <pc:sldMk cId="2361249742" sldId="307"/>
@@ -464,6 +479,22 @@
             <pc:docMk/>
             <pc:sldMk cId="2361249742" sldId="307"/>
             <ac:spMk id="3" creationId="{8C21790E-7F56-AAE3-08F9-2AC081D62FD7}"/>
+          </ac:spMkLst>
+        </pc:spChg>
+        <pc:spChg chg="add mod">
+          <ac:chgData name="Shidiq Nur Hidayat" userId="109efc8d74414964" providerId="LiveId" clId="{41F5F707-E56A-C843-8688-BA2E4939E96C}" dt="2022-11-27T03:11:32.990" v="2117" actId="13926"/>
+          <ac:spMkLst>
+            <pc:docMk/>
+            <pc:sldMk cId="2361249742" sldId="307"/>
+            <ac:spMk id="3" creationId="{B592AAB2-2AD5-EE6B-BCC4-117371485A40}"/>
+          </ac:spMkLst>
+        </pc:spChg>
+        <pc:spChg chg="add mod">
+          <ac:chgData name="Shidiq Nur Hidayat" userId="109efc8d74414964" providerId="LiveId" clId="{41F5F707-E56A-C843-8688-BA2E4939E96C}" dt="2022-11-27T03:16:37.346" v="2133" actId="1076"/>
+          <ac:spMkLst>
+            <pc:docMk/>
+            <pc:sldMk cId="2361249742" sldId="307"/>
+            <ac:spMk id="4" creationId="{2BECA1ED-A72C-1471-6151-2F181EF1C342}"/>
           </ac:spMkLst>
         </pc:spChg>
         <pc:spChg chg="add del mod">
@@ -3888,7 +3919,7 @@
           <a:p>
             <a:fld id="{B57C482A-71B6-6648-AAFD-B60465A20297}" type="datetimeFigureOut">
               <a:rPr lang="id-ID" smtClean="0"/>
-              <a:t>25/11/22</a:t>
+              <a:t>27/11/22</a:t>
             </a:fld>
             <a:endParaRPr lang="id-ID"/>
           </a:p>
@@ -6851,7 +6882,7 @@
           <a:p>
             <a:fld id="{CEF15500-6DB4-4340-9B2D-65F00F318DE4}" type="datetimeFigureOut">
               <a:rPr lang="en-US" smtClean="0"/>
-              <a:t>11/25/22</a:t>
+              <a:t>11/27/22</a:t>
             </a:fld>
             <a:endParaRPr lang="en-US"/>
           </a:p>
@@ -7377,7 +7408,7 @@
         <p:spPr>
           <a:xfrm>
             <a:off x="2379978" y="4137850"/>
-            <a:ext cx="9144000" cy="628768"/>
+            <a:ext cx="8996583" cy="628768"/>
           </a:xfrm>
         </p:spPr>
         <p:txBody>
@@ -10831,6 +10862,145 @@
           </a:prstGeom>
         </p:spPr>
       </p:pic>
+      <p:sp>
+        <p:nvSpPr>
+          <p:cNvPr id="3" name="TextBox 2">
+            <a:extLst>
+              <a:ext uri="{FF2B5EF4-FFF2-40B4-BE49-F238E27FC236}">
+                <a16:creationId xmlns:a16="http://schemas.microsoft.com/office/drawing/2014/main" id="{B592AAB2-2AD5-EE6B-BCC4-117371485A40}"/>
+              </a:ext>
+            </a:extLst>
+          </p:cNvPr>
+          <p:cNvSpPr txBox="1"/>
+          <p:nvPr/>
+        </p:nvSpPr>
+        <p:spPr>
+          <a:xfrm>
+            <a:off x="838200" y="4584692"/>
+            <a:ext cx="4092787" cy="461665"/>
+          </a:xfrm>
+          <a:prstGeom prst="rect">
+            <a:avLst/>
+          </a:prstGeom>
+          <a:noFill/>
+        </p:spPr>
+        <p:txBody>
+          <a:bodyPr wrap="none" rtlCol="0">
+            <a:spAutoFit/>
+          </a:bodyPr>
+          <a:lstStyle/>
+          <a:p>
+            <a:r>
+              <a:rPr lang="id-ID" sz="2400" dirty="0">
+                <a:latin typeface="Consolas" panose="020B0609020204030204" pitchFamily="49" charset="0"/>
+                <a:cs typeface="Consolas" panose="020B0609020204030204" pitchFamily="49" charset="0"/>
+              </a:rPr>
+              <a:t>CMD: </a:t>
+            </a:r>
+            <a:r>
+              <a:rPr lang="id-ID" sz="2400" dirty="0" err="1">
+                <a:highlight>
+                  <a:srgbClr val="FCD502"/>
+                </a:highlight>
+                <a:latin typeface="Consolas" panose="020B0609020204030204" pitchFamily="49" charset="0"/>
+                <a:cs typeface="Consolas" panose="020B0609020204030204" pitchFamily="49" charset="0"/>
+              </a:rPr>
+              <a:t>pip</a:t>
+            </a:r>
+            <a:r>
+              <a:rPr lang="id-ID" sz="2400" dirty="0">
+                <a:highlight>
+                  <a:srgbClr val="FCD502"/>
+                </a:highlight>
+                <a:latin typeface="Consolas" panose="020B0609020204030204" pitchFamily="49" charset="0"/>
+                <a:cs typeface="Consolas" panose="020B0609020204030204" pitchFamily="49" charset="0"/>
+              </a:rPr>
+              <a:t> </a:t>
+            </a:r>
+            <a:r>
+              <a:rPr lang="id-ID" sz="2400" dirty="0" err="1">
+                <a:highlight>
+                  <a:srgbClr val="FCD502"/>
+                </a:highlight>
+                <a:latin typeface="Consolas" panose="020B0609020204030204" pitchFamily="49" charset="0"/>
+                <a:cs typeface="Consolas" panose="020B0609020204030204" pitchFamily="49" charset="0"/>
+              </a:rPr>
+              <a:t>install</a:t>
+            </a:r>
+            <a:r>
+              <a:rPr lang="id-ID" sz="2400" dirty="0">
+                <a:highlight>
+                  <a:srgbClr val="FCD502"/>
+                </a:highlight>
+                <a:latin typeface="Consolas" panose="020B0609020204030204" pitchFamily="49" charset="0"/>
+                <a:cs typeface="Consolas" panose="020B0609020204030204" pitchFamily="49" charset="0"/>
+              </a:rPr>
+              <a:t> </a:t>
+            </a:r>
+            <a:r>
+              <a:rPr lang="id-ID" sz="2400" dirty="0" err="1">
+                <a:highlight>
+                  <a:srgbClr val="FCD502"/>
+                </a:highlight>
+                <a:latin typeface="Consolas" panose="020B0609020204030204" pitchFamily="49" charset="0"/>
+                <a:cs typeface="Consolas" panose="020B0609020204030204" pitchFamily="49" charset="0"/>
+              </a:rPr>
+              <a:t>pandas</a:t>
+            </a:r>
+            <a:endParaRPr lang="id-ID" sz="2400" dirty="0">
+              <a:highlight>
+                <a:srgbClr val="FCD502"/>
+              </a:highlight>
+              <a:latin typeface="Consolas" panose="020B0609020204030204" pitchFamily="49" charset="0"/>
+              <a:cs typeface="Consolas" panose="020B0609020204030204" pitchFamily="49" charset="0"/>
+            </a:endParaRPr>
+          </a:p>
+        </p:txBody>
+      </p:sp>
+      <p:sp>
+        <p:nvSpPr>
+          <p:cNvPr id="4" name="TextBox 3">
+            <a:extLst>
+              <a:ext uri="{FF2B5EF4-FFF2-40B4-BE49-F238E27FC236}">
+                <a16:creationId xmlns:a16="http://schemas.microsoft.com/office/drawing/2014/main" id="{2BECA1ED-A72C-1471-6151-2F181EF1C342}"/>
+              </a:ext>
+            </a:extLst>
+          </p:cNvPr>
+          <p:cNvSpPr txBox="1"/>
+          <p:nvPr/>
+        </p:nvSpPr>
+        <p:spPr>
+          <a:xfrm>
+            <a:off x="5575721" y="4561758"/>
+            <a:ext cx="1282915" cy="584775"/>
+          </a:xfrm>
+          <a:prstGeom prst="rect">
+            <a:avLst/>
+          </a:prstGeom>
+          <a:noFill/>
+        </p:spPr>
+        <p:txBody>
+          <a:bodyPr wrap="none" rtlCol="0">
+            <a:spAutoFit/>
+          </a:bodyPr>
+          <a:lstStyle/>
+          <a:p>
+            <a:r>
+              <a:rPr lang="id-ID" sz="3200" dirty="0" err="1"/>
+              <a:t>pip</a:t>
+            </a:r>
+            <a:r>
+              <a:rPr lang="id-ID" sz="3200" dirty="0"/>
+              <a:t> </a:t>
+            </a:r>
+            <a:r>
+              <a:rPr lang="id-ID" sz="3200" dirty="0" err="1"/>
+              <a:t>list</a:t>
+            </a:r>
+            <a:endParaRPr lang="id-ID" sz="3200" dirty="0"/>
+          </a:p>
+        </p:txBody>
+      </p:sp>
     </p:spTree>
     <p:extLst>
       <p:ext uri="{BB962C8B-B14F-4D97-AF65-F5344CB8AC3E}">
